--- a/MassiKamu/Massikamu.pptx
+++ b/MassiKamu/Massikamu.pptx
@@ -8,13 +8,14 @@
     <p:sldId id="256" r:id="rId2"/>
     <p:sldId id="258" r:id="rId3"/>
     <p:sldId id="259" r:id="rId4"/>
-    <p:sldId id="261" r:id="rId5"/>
-    <p:sldId id="260" r:id="rId6"/>
-    <p:sldId id="267" r:id="rId7"/>
-    <p:sldId id="268" r:id="rId8"/>
-    <p:sldId id="264" r:id="rId9"/>
-    <p:sldId id="265" r:id="rId10"/>
-    <p:sldId id="266" r:id="rId11"/>
+    <p:sldId id="269" r:id="rId5"/>
+    <p:sldId id="261" r:id="rId6"/>
+    <p:sldId id="260" r:id="rId7"/>
+    <p:sldId id="267" r:id="rId8"/>
+    <p:sldId id="268" r:id="rId9"/>
+    <p:sldId id="264" r:id="rId10"/>
+    <p:sldId id="265" r:id="rId11"/>
+    <p:sldId id="266" r:id="rId12"/>
   </p:sldIdLst>
   <p:sldSz cx="12192000" cy="6858000"/>
   <p:notesSz cx="6858000" cy="9144000"/>
@@ -3760,8 +3761,8 @@
     <dgm:cxn modelId="{42254414-EA74-459C-88F0-BA36CC47FD75}" type="presOf" srcId="{7424A3B9-714B-48AD-89C9-42E24968BC4F}" destId="{8FE6C1DD-65A1-4A9F-9BA9-A4D896BFB236}" srcOrd="0" destOrd="0" presId="urn:microsoft.com/office/officeart/2018/2/layout/IconLabelList"/>
     <dgm:cxn modelId="{5B038F23-F851-4087-BC94-D4FC8460A252}" srcId="{7424A3B9-714B-48AD-89C9-42E24968BC4F}" destId="{8279A81F-95BE-409A-BE3A-C97B369DBD9A}" srcOrd="0" destOrd="0" parTransId="{6BBA451A-6820-4524-9588-780D8FB32400}" sibTransId="{52FBB82D-B301-4792-ADBF-4A087EC58735}"/>
     <dgm:cxn modelId="{60E9A12E-8537-4FDA-B3CC-EBA4D522CA0C}" type="presOf" srcId="{8279A81F-95BE-409A-BE3A-C97B369DBD9A}" destId="{7582B1F1-C38F-4BF2-971F-C80BB33D879F}" srcOrd="0" destOrd="0" presId="urn:microsoft.com/office/officeart/2018/2/layout/IconLabelList"/>
+    <dgm:cxn modelId="{3700956E-5343-4EEC-A85C-FCB47FCF95D9}" type="presOf" srcId="{0B730EF3-289E-4E0D-AC5D-9BD2534E1209}" destId="{32F17927-7F62-4EFB-B555-971FB50F6059}" srcOrd="0" destOrd="0" presId="urn:microsoft.com/office/officeart/2018/2/layout/IconLabelList"/>
     <dgm:cxn modelId="{CC488651-BA04-4FBC-9B06-029FD05279B9}" srcId="{7424A3B9-714B-48AD-89C9-42E24968BC4F}" destId="{0B730EF3-289E-4E0D-AC5D-9BD2534E1209}" srcOrd="1" destOrd="0" parTransId="{0EAA7B4E-CA55-43AB-BC47-9841553607C5}" sibTransId="{E576BBAD-D200-4A52-9D20-1DBD2248AE5D}"/>
-    <dgm:cxn modelId="{3700956E-5343-4EEC-A85C-FCB47FCF95D9}" type="presOf" srcId="{0B730EF3-289E-4E0D-AC5D-9BD2534E1209}" destId="{32F17927-7F62-4EFB-B555-971FB50F6059}" srcOrd="0" destOrd="0" presId="urn:microsoft.com/office/officeart/2018/2/layout/IconLabelList"/>
     <dgm:cxn modelId="{8DD456EF-FFEE-414C-BF25-2DE469BACF3E}" type="presParOf" srcId="{8FE6C1DD-65A1-4A9F-9BA9-A4D896BFB236}" destId="{C50E0F29-ADB7-48C4-8939-F36CE27720A4}" srcOrd="0" destOrd="0" presId="urn:microsoft.com/office/officeart/2018/2/layout/IconLabelList"/>
     <dgm:cxn modelId="{8943E23D-C522-4D94-B287-31F3D53B8ED5}" type="presParOf" srcId="{C50E0F29-ADB7-48C4-8939-F36CE27720A4}" destId="{BBE98EC3-8B25-4872-8180-75829A392566}" srcOrd="0" destOrd="0" presId="urn:microsoft.com/office/officeart/2018/2/layout/IconLabelList"/>
     <dgm:cxn modelId="{416FCF0C-2485-48D9-AD52-881358600A71}" type="presParOf" srcId="{C50E0F29-ADB7-48C4-8939-F36CE27720A4}" destId="{AA5F82BB-A0EB-4429-8334-E197AF656111}" srcOrd="1" destOrd="0" presId="urn:microsoft.com/office/officeart/2018/2/layout/IconLabelList"/>
@@ -4178,8 +4179,8 @@
     <dgm:cxn modelId="{79E1C52E-6FA9-4548-A3FC-F0B3E49CF77C}" type="presOf" srcId="{652CA550-44F5-4191-A501-44789FD15975}" destId="{510DC5C0-ED48-4F22-8161-878E082E4AF1}" srcOrd="1" destOrd="0" presId="urn:microsoft.com/office/officeart/2005/8/layout/vProcess5"/>
     <dgm:cxn modelId="{B3BAC330-ACB1-4FBA-9898-0E06036A2F68}" type="presOf" srcId="{CE942231-98C9-4B72-A446-80F3AB5CE523}" destId="{8EF32610-8A00-4815-9D58-60FB69D62DD2}" srcOrd="0" destOrd="0" presId="urn:microsoft.com/office/officeart/2005/8/layout/vProcess5"/>
     <dgm:cxn modelId="{8FA34A33-21D0-42A7-B568-0D7DCA2326FC}" type="presOf" srcId="{CF80219D-33FA-4137-85EB-A82F3B15A92F}" destId="{C516A5C5-DD41-40FB-AD04-06422541DB6C}" srcOrd="1" destOrd="0" presId="urn:microsoft.com/office/officeart/2005/8/layout/vProcess5"/>
+    <dgm:cxn modelId="{5EDBA463-60DC-440D-A8AE-A61F019229B8}" type="presOf" srcId="{652CA550-44F5-4191-A501-44789FD15975}" destId="{580C328E-080B-40C8-8E70-8410DB100D8E}" srcOrd="0" destOrd="0" presId="urn:microsoft.com/office/officeart/2005/8/layout/vProcess5"/>
     <dgm:cxn modelId="{13E9D047-BEE1-44DB-8811-DD405DB6CA6E}" type="presOf" srcId="{443F6025-676F-460B-AD41-664FEC5FFB41}" destId="{BAC3885F-AE87-4E39-8173-EBB849A932F9}" srcOrd="0" destOrd="0" presId="urn:microsoft.com/office/officeart/2005/8/layout/vProcess5"/>
-    <dgm:cxn modelId="{5EDBA463-60DC-440D-A8AE-A61F019229B8}" type="presOf" srcId="{652CA550-44F5-4191-A501-44789FD15975}" destId="{580C328E-080B-40C8-8E70-8410DB100D8E}" srcOrd="0" destOrd="0" presId="urn:microsoft.com/office/officeart/2005/8/layout/vProcess5"/>
     <dgm:cxn modelId="{F0486891-80EE-46B8-A85D-1538E15DA5CB}" type="presOf" srcId="{F0ABE348-A037-4A6A-A2FF-AE25367CA950}" destId="{90710D97-46C6-421F-9678-D97A35392143}" srcOrd="0" destOrd="0" presId="urn:microsoft.com/office/officeart/2005/8/layout/vProcess5"/>
     <dgm:cxn modelId="{1410359D-5FFE-4C5B-9865-B984C1C3651F}" type="presOf" srcId="{F0ABE348-A037-4A6A-A2FF-AE25367CA950}" destId="{904111B9-3AE0-4633-8583-1B651FF03934}" srcOrd="1" destOrd="0" presId="urn:microsoft.com/office/officeart/2005/8/layout/vProcess5"/>
     <dgm:cxn modelId="{09AC80B7-E962-481B-BF78-B167B3419883}" type="presOf" srcId="{34549F09-1408-4E86-978C-72BF7BD57344}" destId="{087E64A7-5FE3-479B-9F61-2C0D95FBD91F}" srcOrd="0" destOrd="0" presId="urn:microsoft.com/office/officeart/2005/8/layout/vProcess5"/>
@@ -4600,8 +4601,8 @@
   <dgm:cxnLst>
     <dgm:cxn modelId="{33F7EB26-3C62-B745-AA46-BDDCC35DF7B1}" type="presOf" srcId="{2475D945-78E7-4810-B31A-F0016BB47CC0}" destId="{323D49FB-E773-4AAF-86DD-166DB700F4D9}" srcOrd="0" destOrd="1" presId="urn:microsoft.com/office/officeart/2018/2/layout/IconVerticalSolidList"/>
     <dgm:cxn modelId="{8A708029-BBB8-421A-A9A2-817B20BA788F}" srcId="{1E20C140-2AAD-4989-86F2-B74FE9413326}" destId="{E3B89E6C-E354-46A7-8B01-0FC78EA17858}" srcOrd="0" destOrd="0" parTransId="{87C4749E-03F6-4493-9783-150DF6F0AC98}" sibTransId="{53D01B39-3EFD-46E1-BEE6-C64191310FA0}"/>
+    <dgm:cxn modelId="{B33E7C75-09FA-4900-8CBE-5258E7747F8E}" srcId="{1E20C140-2AAD-4989-86F2-B74FE9413326}" destId="{812DD011-EB4D-4289-B591-B54699CF3EAC}" srcOrd="1" destOrd="0" parTransId="{3F6F3E08-CD4C-4A7D-A03A-E869EF02C505}" sibTransId="{7075AB5A-2CFD-4BC0-A9F6-3667844A4A3A}"/>
     <dgm:cxn modelId="{77D19156-8472-41B2-8863-B8E4CAE7B127}" srcId="{E3B89E6C-E354-46A7-8B01-0FC78EA17858}" destId="{6E25D24B-C803-4404-BCA7-46FB81F13CFF}" srcOrd="0" destOrd="0" parTransId="{837AB8B3-FA70-425D-A35D-DC87202C5719}" sibTransId="{46B94287-12FD-49BF-A79D-58321D176BFE}"/>
-    <dgm:cxn modelId="{B33E7C75-09FA-4900-8CBE-5258E7747F8E}" srcId="{1E20C140-2AAD-4989-86F2-B74FE9413326}" destId="{812DD011-EB4D-4289-B591-B54699CF3EAC}" srcOrd="1" destOrd="0" parTransId="{3F6F3E08-CD4C-4A7D-A03A-E869EF02C505}" sibTransId="{7075AB5A-2CFD-4BC0-A9F6-3667844A4A3A}"/>
     <dgm:cxn modelId="{1A10907E-7EA3-465C-B931-BF0D8294F73B}" srcId="{E3B89E6C-E354-46A7-8B01-0FC78EA17858}" destId="{2475D945-78E7-4810-B31A-F0016BB47CC0}" srcOrd="1" destOrd="0" parTransId="{AD001F97-98A6-4E5C-A81B-C79D65FA3835}" sibTransId="{DE813334-448D-4F92-A1AE-DFEFBD8E6BB4}"/>
     <dgm:cxn modelId="{6C2FB58B-7355-894B-981A-D33178F1F24E}" type="presOf" srcId="{6E25D24B-C803-4404-BCA7-46FB81F13CFF}" destId="{323D49FB-E773-4AAF-86DD-166DB700F4D9}" srcOrd="0" destOrd="0" presId="urn:microsoft.com/office/officeart/2018/2/layout/IconVerticalSolidList"/>
     <dgm:cxn modelId="{6EDAA1B4-4CF4-43F6-A1E3-600BC679CB5C}" srcId="{E3B89E6C-E354-46A7-8B01-0FC78EA17858}" destId="{EE33BC3F-7B19-4625-AF93-F78F3C004A54}" srcOrd="2" destOrd="0" parTransId="{B8DDF229-69A8-4C95-BD48-C2CF75456B9F}" sibTransId="{2B6EB6F1-4F22-412D-A7E3-D8408C5F83A8}"/>
@@ -4900,9 +4901,9 @@
   <dgm:cxnLst>
     <dgm:cxn modelId="{CAADB215-1DE9-4D3B-B558-8D3A32B8DC96}" srcId="{4664DAAC-3BD0-43ED-8177-704465281994}" destId="{49EA8F6E-4837-4144-AD5E-9A5D1B46894C}" srcOrd="4" destOrd="0" parTransId="{8DADAF7F-1AA7-4E37-9ACA-A39A0A3CC0A8}" sibTransId="{C419C44C-208D-419E-A305-BC48D1C77349}"/>
     <dgm:cxn modelId="{4F0F6521-5D7F-40B1-8342-D2FDF58C741C}" srcId="{4664DAAC-3BD0-43ED-8177-704465281994}" destId="{DF60C549-4DCF-4B68-B79B-DFBBD0A4A6C1}" srcOrd="2" destOrd="0" parTransId="{6E531D33-FAF0-4EA8-979F-BE60BE3EC288}" sibTransId="{C1BFB2B2-5062-4902-8083-5456D87197B5}"/>
-    <dgm:cxn modelId="{62259C47-37D3-4E16-9EDE-46136308EB5B}" srcId="{4664DAAC-3BD0-43ED-8177-704465281994}" destId="{67F9AD7D-D4E7-4E10-9DBA-D5C8BBC9073A}" srcOrd="3" destOrd="0" parTransId="{5964E3D3-E454-428A-98D4-A8319B5F1F78}" sibTransId="{17D87B6B-C176-4E12-8BDD-4A674637CB96}"/>
     <dgm:cxn modelId="{27702D5F-0553-48AA-961C-49545EE41017}" srcId="{4664DAAC-3BD0-43ED-8177-704465281994}" destId="{C7F98182-0C76-49AE-B8BB-9F12C470F479}" srcOrd="0" destOrd="0" parTransId="{AE2859E1-5608-4AA7-8971-5BC723F26453}" sibTransId="{764949A7-BA34-4431-BE10-1AD75E50D89E}"/>
     <dgm:cxn modelId="{FB111F60-0CA7-46F3-B044-C58102C27B31}" type="presOf" srcId="{4664DAAC-3BD0-43ED-8177-704465281994}" destId="{17C745F7-EA39-4FEF-B90F-4F346FC48880}" srcOrd="0" destOrd="0" presId="urn:microsoft.com/office/officeart/2005/8/layout/vList2"/>
+    <dgm:cxn modelId="{62259C47-37D3-4E16-9EDE-46136308EB5B}" srcId="{4664DAAC-3BD0-43ED-8177-704465281994}" destId="{67F9AD7D-D4E7-4E10-9DBA-D5C8BBC9073A}" srcOrd="3" destOrd="0" parTransId="{5964E3D3-E454-428A-98D4-A8319B5F1F78}" sibTransId="{17D87B6B-C176-4E12-8BDD-4A674637CB96}"/>
     <dgm:cxn modelId="{EE0A4482-6247-4300-802D-B2DD1F059B64}" type="presOf" srcId="{C7F98182-0C76-49AE-B8BB-9F12C470F479}" destId="{8CC3FAAC-0F6F-4DB1-AD9D-343C6B47E74B}" srcOrd="0" destOrd="0" presId="urn:microsoft.com/office/officeart/2005/8/layout/vList2"/>
     <dgm:cxn modelId="{C3529199-5D4C-4C6C-8E14-7391B50A94F5}" type="presOf" srcId="{DF60C549-4DCF-4B68-B79B-DFBBD0A4A6C1}" destId="{B688318E-370E-4795-860E-E8D1C9301501}" srcOrd="0" destOrd="0" presId="urn:microsoft.com/office/officeart/2005/8/layout/vList2"/>
     <dgm:cxn modelId="{2852E9B0-AA4C-49BE-B796-79814B143A65}" type="presOf" srcId="{49EA8F6E-4837-4144-AD5E-9A5D1B46894C}" destId="{28F6E99B-F74C-4D84-BE24-0DEB53AAFB3B}" srcOrd="0" destOrd="0" presId="urn:microsoft.com/office/officeart/2005/8/layout/vList2"/>
@@ -13031,7 +13032,7 @@
           <a:p>
             <a:fld id="{C764DE79-268F-4C1A-8933-263129D2AF90}" type="datetimeFigureOut">
               <a:rPr lang="en-US" dirty="0"/>
-              <a:t>8/8/23</a:t>
+              <a:t>8/8/2023</a:t>
             </a:fld>
             <a:endParaRPr lang="en-US" dirty="0"/>
           </a:p>
@@ -13199,7 +13200,7 @@
           <a:p>
             <a:fld id="{C764DE79-268F-4C1A-8933-263129D2AF90}" type="datetimeFigureOut">
               <a:rPr lang="en-US" dirty="0"/>
-              <a:t>8/8/23</a:t>
+              <a:t>8/8/2023</a:t>
             </a:fld>
             <a:endParaRPr lang="en-US" dirty="0"/>
           </a:p>
@@ -13377,7 +13378,7 @@
           <a:p>
             <a:fld id="{C764DE79-268F-4C1A-8933-263129D2AF90}" type="datetimeFigureOut">
               <a:rPr lang="en-US" dirty="0"/>
-              <a:t>8/8/23</a:t>
+              <a:t>8/8/2023</a:t>
             </a:fld>
             <a:endParaRPr lang="en-US" dirty="0"/>
           </a:p>
@@ -13545,7 +13546,7 @@
           <a:p>
             <a:fld id="{C764DE79-268F-4C1A-8933-263129D2AF90}" type="datetimeFigureOut">
               <a:rPr lang="en-US" dirty="0"/>
-              <a:t>8/8/23</a:t>
+              <a:t>8/8/2023</a:t>
             </a:fld>
             <a:endParaRPr lang="en-US" dirty="0"/>
           </a:p>
@@ -13790,7 +13791,7 @@
           <a:p>
             <a:fld id="{C764DE79-268F-4C1A-8933-263129D2AF90}" type="datetimeFigureOut">
               <a:rPr lang="en-US" dirty="0"/>
-              <a:t>8/8/23</a:t>
+              <a:t>8/8/2023</a:t>
             </a:fld>
             <a:endParaRPr lang="en-US" dirty="0"/>
           </a:p>
@@ -14019,7 +14020,7 @@
           <a:p>
             <a:fld id="{C764DE79-268F-4C1A-8933-263129D2AF90}" type="datetimeFigureOut">
               <a:rPr lang="en-US" dirty="0"/>
-              <a:t>8/8/23</a:t>
+              <a:t>8/8/2023</a:t>
             </a:fld>
             <a:endParaRPr lang="en-US" dirty="0"/>
           </a:p>
@@ -14383,7 +14384,7 @@
           <a:p>
             <a:fld id="{C764DE79-268F-4C1A-8933-263129D2AF90}" type="datetimeFigureOut">
               <a:rPr lang="en-US" dirty="0"/>
-              <a:t>8/8/23</a:t>
+              <a:t>8/8/2023</a:t>
             </a:fld>
             <a:endParaRPr lang="en-US" dirty="0"/>
           </a:p>
@@ -14500,7 +14501,7 @@
           <a:p>
             <a:fld id="{C764DE79-268F-4C1A-8933-263129D2AF90}" type="datetimeFigureOut">
               <a:rPr lang="en-US" dirty="0"/>
-              <a:t>8/8/23</a:t>
+              <a:t>8/8/2023</a:t>
             </a:fld>
             <a:endParaRPr lang="en-US" dirty="0"/>
           </a:p>
@@ -14595,7 +14596,7 @@
           <a:p>
             <a:fld id="{C764DE79-268F-4C1A-8933-263129D2AF90}" type="datetimeFigureOut">
               <a:rPr lang="en-US" dirty="0"/>
-              <a:t>8/8/23</a:t>
+              <a:t>8/8/2023</a:t>
             </a:fld>
             <a:endParaRPr lang="en-US" dirty="0"/>
           </a:p>
@@ -14870,7 +14871,7 @@
           <a:p>
             <a:fld id="{C764DE79-268F-4C1A-8933-263129D2AF90}" type="datetimeFigureOut">
               <a:rPr lang="en-US" dirty="0"/>
-              <a:t>8/8/23</a:t>
+              <a:t>8/8/2023</a:t>
             </a:fld>
             <a:endParaRPr lang="en-US" dirty="0"/>
           </a:p>
@@ -15122,7 +15123,7 @@
           <a:p>
             <a:fld id="{C764DE79-268F-4C1A-8933-263129D2AF90}" type="datetimeFigureOut">
               <a:rPr lang="en-US" dirty="0"/>
-              <a:t>8/8/23</a:t>
+              <a:t>8/8/2023</a:t>
             </a:fld>
             <a:endParaRPr lang="en-US" dirty="0"/>
           </a:p>
@@ -15333,7 +15334,7 @@
           <a:p>
             <a:fld id="{C764DE79-268F-4C1A-8933-263129D2AF90}" type="datetimeFigureOut">
               <a:rPr lang="en-US" dirty="0"/>
-              <a:t>8/8/23</a:t>
+              <a:t>8/8/2023</a:t>
             </a:fld>
             <a:endParaRPr lang="en-US" dirty="0"/>
           </a:p>
@@ -16328,6 +16329,214 @@
       </p:grpSpPr>
       <p:sp>
         <p:nvSpPr>
+          <p:cNvPr id="16" name="Rectangle 15">
+            <a:extLst>
+              <a:ext uri="{FF2B5EF4-FFF2-40B4-BE49-F238E27FC236}">
+                <a16:creationId xmlns:a16="http://schemas.microsoft.com/office/drawing/2014/main" id="{9228552E-C8B1-4A80-8448-0787CE0FC704}"/>
+              </a:ext>
+              <a:ext uri="{C183D7F6-B498-43B3-948B-1728B52AA6E4}">
+                <adec:decorative xmlns:adec="http://schemas.microsoft.com/office/drawing/2017/decorative" val="1"/>
+              </a:ext>
+            </a:extLst>
+          </p:cNvPr>
+          <p:cNvSpPr>
+            <a:spLocks noGrp="1" noRot="1" noChangeAspect="1" noMove="1" noResize="1" noEditPoints="1" noAdjustHandles="1" noChangeArrowheads="1" noChangeShapeType="1" noTextEdit="1"/>
+          </p:cNvSpPr>
+          <p:nvPr>
+            <p:extLst>
+              <p:ext uri="{386F3935-93C4-4BCD-93E2-E3B085C9AB24}">
+                <p16:designElem xmlns:p16="http://schemas.microsoft.com/office/powerpoint/2015/main" val="1"/>
+              </p:ext>
+            </p:extLst>
+          </p:nvPr>
+        </p:nvSpPr>
+        <p:spPr>
+          <a:xfrm>
+            <a:off x="0" y="0"/>
+            <a:ext cx="12192000" cy="6858000"/>
+          </a:xfrm>
+          <a:prstGeom prst="rect">
+            <a:avLst/>
+          </a:prstGeom>
+          <a:solidFill>
+            <a:srgbClr val="000000"/>
+          </a:solidFill>
+          <a:ln>
+            <a:noFill/>
+          </a:ln>
+        </p:spPr>
+        <p:style>
+          <a:lnRef idx="2">
+            <a:schemeClr val="accent1">
+              <a:shade val="50000"/>
+            </a:schemeClr>
+          </a:lnRef>
+          <a:fillRef idx="1">
+            <a:schemeClr val="accent1"/>
+          </a:fillRef>
+          <a:effectRef idx="0">
+            <a:schemeClr val="accent1"/>
+          </a:effectRef>
+          <a:fontRef idx="minor">
+            <a:schemeClr val="lt1"/>
+          </a:fontRef>
+        </p:style>
+        <p:txBody>
+          <a:bodyPr rtlCol="0" anchor="ctr"/>
+          <a:lstStyle/>
+          <a:p>
+            <a:pPr algn="ctr"/>
+            <a:endParaRPr lang="en-US"/>
+          </a:p>
+        </p:txBody>
+      </p:sp>
+      <p:pic>
+        <p:nvPicPr>
+          <p:cNvPr id="7" name="Picture 6" descr="Close-up of a blue surface&#10;&#10;Description automatically generated">
+            <a:extLst>
+              <a:ext uri="{FF2B5EF4-FFF2-40B4-BE49-F238E27FC236}">
+                <a16:creationId xmlns:a16="http://schemas.microsoft.com/office/drawing/2014/main" id="{C1A8DC81-C99E-7F97-568E-8CC548CFFB91}"/>
+              </a:ext>
+            </a:extLst>
+          </p:cNvPr>
+          <p:cNvPicPr>
+            <a:picLocks noChangeAspect="1"/>
+          </p:cNvPicPr>
+          <p:nvPr/>
+        </p:nvPicPr>
+        <p:blipFill rotWithShape="1">
+          <a:blip r:embed="rId2">
+            <a:alphaModFix amt="35000"/>
+          </a:blip>
+          <a:srcRect t="25000"/>
+          <a:stretch/>
+        </p:blipFill>
+        <p:spPr>
+          <a:xfrm>
+            <a:off x="20" y="10"/>
+            <a:ext cx="12191980" cy="6857990"/>
+          </a:xfrm>
+          <a:prstGeom prst="rect">
+            <a:avLst/>
+          </a:prstGeom>
+        </p:spPr>
+      </p:pic>
+      <p:sp>
+        <p:nvSpPr>
+          <p:cNvPr id="2" name="Title 1">
+            <a:extLst>
+              <a:ext uri="{FF2B5EF4-FFF2-40B4-BE49-F238E27FC236}">
+                <a16:creationId xmlns:a16="http://schemas.microsoft.com/office/drawing/2014/main" id="{2661506A-DF5A-1AE3-2CC3-BFB2A6F28192}"/>
+              </a:ext>
+            </a:extLst>
+          </p:cNvPr>
+          <p:cNvSpPr>
+            <a:spLocks noGrp="1"/>
+          </p:cNvSpPr>
+          <p:nvPr>
+            <p:ph type="title"/>
+          </p:nvPr>
+        </p:nvSpPr>
+        <p:spPr>
+          <a:xfrm>
+            <a:off x="838200" y="365125"/>
+            <a:ext cx="10515600" cy="1325563"/>
+          </a:xfrm>
+        </p:spPr>
+        <p:txBody>
+          <a:bodyPr>
+            <a:normAutofit/>
+          </a:bodyPr>
+          <a:lstStyle/>
+          <a:p>
+            <a:r>
+              <a:rPr lang="en-US">
+                <a:solidFill>
+                  <a:srgbClr val="FFFFFF"/>
+                </a:solidFill>
+                <a:cs typeface="Calibri Light"/>
+              </a:rPr>
+              <a:t>Tietoturva</a:t>
+            </a:r>
+            <a:endParaRPr lang="en-US">
+              <a:solidFill>
+                <a:srgbClr val="FFFFFF"/>
+              </a:solidFill>
+            </a:endParaRPr>
+          </a:p>
+        </p:txBody>
+      </p:sp>
+      <p:graphicFrame>
+        <p:nvGraphicFramePr>
+          <p:cNvPr id="5" name="Content Placeholder 2">
+            <a:extLst>
+              <a:ext uri="{FF2B5EF4-FFF2-40B4-BE49-F238E27FC236}">
+                <a16:creationId xmlns:a16="http://schemas.microsoft.com/office/drawing/2014/main" id="{7491AB46-88EC-F32C-A152-4578136AC1C7}"/>
+              </a:ext>
+            </a:extLst>
+          </p:cNvPr>
+          <p:cNvGraphicFramePr>
+            <a:graphicFrameLocks noGrp="1"/>
+          </p:cNvGraphicFramePr>
+          <p:nvPr>
+            <p:ph idx="1"/>
+            <p:extLst>
+              <p:ext uri="{D42A27DB-BD31-4B8C-83A1-F6EECF244321}">
+                <p14:modId xmlns:p14="http://schemas.microsoft.com/office/powerpoint/2010/main" val="3419514887"/>
+              </p:ext>
+            </p:extLst>
+          </p:nvPr>
+        </p:nvGraphicFramePr>
+        <p:xfrm>
+          <a:off x="838200" y="1825625"/>
+          <a:ext cx="10515600" cy="4351338"/>
+        </p:xfrm>
+        <a:graphic>
+          <a:graphicData uri="http://schemas.openxmlformats.org/drawingml/2006/diagram">
+            <dgm:relIds xmlns:dgm="http://schemas.openxmlformats.org/drawingml/2006/diagram" xmlns:r="http://schemas.openxmlformats.org/officeDocument/2006/relationships" r:dm="rId3" r:lo="rId4" r:qs="rId5" r:cs="rId6"/>
+          </a:graphicData>
+        </a:graphic>
+      </p:graphicFrame>
+    </p:spTree>
+    <p:extLst>
+      <p:ext uri="{BB962C8B-B14F-4D97-AF65-F5344CB8AC3E}">
+        <p14:creationId xmlns:p14="http://schemas.microsoft.com/office/powerpoint/2010/main" val="903075772"/>
+      </p:ext>
+    </p:extLst>
+  </p:cSld>
+  <p:clrMapOvr>
+    <a:overrideClrMapping bg1="dk1" tx1="lt1" bg2="dk2" tx2="lt2" accent1="accent1" accent2="accent2" accent3="accent3" accent4="accent4" accent5="accent5" accent6="accent6" hlink="hlink" folHlink="folHlink"/>
+  </p:clrMapOvr>
+</p:sld>
+</file>
+
+<file path=ppt/slides/slide11.xml><?xml version="1.0" encoding="utf-8"?>
+<p:sld xmlns:a="http://schemas.openxmlformats.org/drawingml/2006/main" xmlns:r="http://schemas.openxmlformats.org/officeDocument/2006/relationships" xmlns:p="http://schemas.openxmlformats.org/presentationml/2006/main">
+  <p:cSld>
+    <p:bg>
+      <p:bgPr>
+        <a:solidFill>
+          <a:schemeClr val="bg1"/>
+        </a:solidFill>
+        <a:effectLst/>
+      </p:bgPr>
+    </p:bg>
+    <p:spTree>
+      <p:nvGrpSpPr>
+        <p:cNvPr id="1" name=""/>
+        <p:cNvGrpSpPr/>
+        <p:nvPr/>
+      </p:nvGrpSpPr>
+      <p:grpSpPr>
+        <a:xfrm>
+          <a:off x="0" y="0"/>
+          <a:ext cx="0" cy="0"/>
+          <a:chOff x="0" y="0"/>
+          <a:chExt cx="0" cy="0"/>
+        </a:xfrm>
+      </p:grpSpPr>
+      <p:sp>
+        <p:nvSpPr>
           <p:cNvPr id="2" name="Title 1">
             <a:extLst>
               <a:ext uri="{FF2B5EF4-FFF2-40B4-BE49-F238E27FC236}">
@@ -18372,7 +18581,7 @@
               <a:rPr lang="en-US" sz="1600" dirty="0" err="1">
                 <a:cs typeface="Calibri"/>
               </a:rPr>
-              <a:t>Käyttötapaukset</a:t>
+              <a:t>Käyttäjätarina</a:t>
             </a:r>
             <a:r>
               <a:rPr lang="en-US" sz="1600" dirty="0">
@@ -18749,14 +18958,11 @@
           <a:p>
             <a:pPr lvl="1"/>
             <a:r>
-              <a:rPr lang="en-US" sz="1600">
+              <a:rPr lang="en-US" sz="1600" dirty="0">
                 <a:cs typeface="Calibri"/>
               </a:rPr>
               <a:t>Matplotlib</a:t>
             </a:r>
-            <a:endParaRPr lang="en-US" sz="1600" dirty="0">
-              <a:cs typeface="Calibri"/>
-            </a:endParaRPr>
           </a:p>
           <a:p>
             <a:pPr lvl="1"/>
@@ -18933,6 +19139,753 @@
 </file>
 
 <file path=ppt/slides/slide4.xml><?xml version="1.0" encoding="utf-8"?>
+<p:sld xmlns:a="http://schemas.openxmlformats.org/drawingml/2006/main" xmlns:r="http://schemas.openxmlformats.org/officeDocument/2006/relationships" xmlns:p="http://schemas.openxmlformats.org/presentationml/2006/main">
+  <p:cSld>
+    <p:spTree>
+      <p:nvGrpSpPr>
+        <p:cNvPr id="1" name=""/>
+        <p:cNvGrpSpPr/>
+        <p:nvPr/>
+      </p:nvGrpSpPr>
+      <p:grpSpPr>
+        <a:xfrm>
+          <a:off x="0" y="0"/>
+          <a:ext cx="0" cy="0"/>
+          <a:chOff x="0" y="0"/>
+          <a:chExt cx="0" cy="0"/>
+        </a:xfrm>
+      </p:grpSpPr>
+      <p:sp>
+        <p:nvSpPr>
+          <p:cNvPr id="2" name="Otsikko 1">
+            <a:extLst>
+              <a:ext uri="{FF2B5EF4-FFF2-40B4-BE49-F238E27FC236}">
+                <a16:creationId xmlns:a16="http://schemas.microsoft.com/office/drawing/2014/main" id="{C4F227C1-8F65-4B81-A400-94BE4D6C8CBE}"/>
+              </a:ext>
+            </a:extLst>
+          </p:cNvPr>
+          <p:cNvSpPr>
+            <a:spLocks noGrp="1"/>
+          </p:cNvSpPr>
+          <p:nvPr>
+            <p:ph type="title"/>
+          </p:nvPr>
+        </p:nvSpPr>
+        <p:spPr/>
+        <p:txBody>
+          <a:bodyPr/>
+          <a:lstStyle/>
+          <a:p>
+            <a:r>
+              <a:rPr lang="en-US" sz="4400" dirty="0" err="1">
+                <a:cs typeface="Calibri"/>
+              </a:rPr>
+              <a:t>Käyttötapaukset</a:t>
+            </a:r>
+            <a:endParaRPr lang="fi-FI" dirty="0"/>
+          </a:p>
+        </p:txBody>
+      </p:sp>
+      <p:sp>
+        <p:nvSpPr>
+          <p:cNvPr id="4" name="Ellipsi 1">
+            <a:extLst>
+              <a:ext uri="{FF2B5EF4-FFF2-40B4-BE49-F238E27FC236}">
+                <a16:creationId xmlns:a16="http://schemas.microsoft.com/office/drawing/2014/main" id="{55F066F6-7819-4836-93AA-55BE5C03306A}"/>
+              </a:ext>
+            </a:extLst>
+          </p:cNvPr>
+          <p:cNvSpPr>
+            <a:spLocks noChangeArrowheads="1"/>
+          </p:cNvSpPr>
+          <p:nvPr/>
+        </p:nvSpPr>
+        <p:spPr bwMode="auto">
+          <a:xfrm>
+            <a:off x="5780577" y="2180492"/>
+            <a:ext cx="1990725" cy="1247775"/>
+          </a:xfrm>
+          <a:prstGeom prst="ellipse">
+            <a:avLst/>
+          </a:prstGeom>
+          <a:solidFill>
+            <a:srgbClr val="FFFFFF"/>
+          </a:solidFill>
+          <a:ln w="12700">
+            <a:solidFill>
+              <a:srgbClr val="70AD47"/>
+            </a:solidFill>
+            <a:miter lim="800000"/>
+            <a:headEnd/>
+            <a:tailEnd/>
+          </a:ln>
+        </p:spPr>
+        <p:txBody>
+          <a:bodyPr vert="horz" wrap="square" lIns="91440" tIns="45720" rIns="91440" bIns="45720" numCol="1" anchor="ctr" anchorCtr="0" compatLnSpc="1">
+            <a:prstTxWarp prst="textNoShape">
+              <a:avLst/>
+            </a:prstTxWarp>
+          </a:bodyPr>
+          <a:lstStyle/>
+          <a:p>
+            <a:pPr marL="0" marR="0" lvl="0" indent="0" algn="ctr" defTabSz="914400" rtl="0" eaLnBrk="0" fontAlgn="base" latinLnBrk="0" hangingPunct="0">
+              <a:lnSpc>
+                <a:spcPct val="100000"/>
+              </a:lnSpc>
+              <a:spcBef>
+                <a:spcPct val="0"/>
+              </a:spcBef>
+              <a:spcAft>
+                <a:spcPct val="0"/>
+              </a:spcAft>
+              <a:buClrTx/>
+              <a:buSzTx/>
+              <a:buFontTx/>
+              <a:buNone/>
+              <a:tabLst/>
+            </a:pPr>
+            <a:r>
+              <a:rPr kumimoji="0" lang="fi-FI" altLang="fi-FI" sz="1100" b="0" i="0" u="none" strike="noStrike" cap="none" normalizeH="0" baseline="0">
+                <a:ln>
+                  <a:noFill/>
+                </a:ln>
+                <a:solidFill>
+                  <a:schemeClr val="tx1"/>
+                </a:solidFill>
+                <a:effectLst/>
+                <a:latin typeface="Calibri" panose="020F0502020204030204" pitchFamily="34" charset="0"/>
+                <a:ea typeface="Calibri" panose="020F0502020204030204" pitchFamily="34" charset="0"/>
+                <a:cs typeface="Times New Roman" panose="02020603050405020304" pitchFamily="18" charset="0"/>
+              </a:rPr>
+              <a:t>Lisää kulu, tiedot: kategoria ja summa, sekä automaattisesti päivämäärä</a:t>
+            </a:r>
+            <a:endParaRPr kumimoji="0" lang="fi-FI" altLang="fi-FI" sz="1800" b="0" i="0" u="none" strike="noStrike" cap="none" normalizeH="0" baseline="0">
+              <a:ln>
+                <a:noFill/>
+              </a:ln>
+              <a:solidFill>
+                <a:schemeClr val="tx1"/>
+              </a:solidFill>
+              <a:effectLst/>
+              <a:latin typeface="Arial" panose="020B0604020202020204" pitchFamily="34" charset="0"/>
+            </a:endParaRPr>
+          </a:p>
+        </p:txBody>
+      </p:sp>
+      <p:sp>
+        <p:nvSpPr>
+          <p:cNvPr id="5" name="Ellipsi 2">
+            <a:extLst>
+              <a:ext uri="{FF2B5EF4-FFF2-40B4-BE49-F238E27FC236}">
+                <a16:creationId xmlns:a16="http://schemas.microsoft.com/office/drawing/2014/main" id="{B0CFF76D-8DE2-4793-A41D-904DD6678BD7}"/>
+              </a:ext>
+            </a:extLst>
+          </p:cNvPr>
+          <p:cNvSpPr>
+            <a:spLocks noChangeArrowheads="1"/>
+          </p:cNvSpPr>
+          <p:nvPr/>
+        </p:nvSpPr>
+        <p:spPr bwMode="auto">
+          <a:xfrm>
+            <a:off x="6018701" y="4371241"/>
+            <a:ext cx="1841621" cy="1027233"/>
+          </a:xfrm>
+          <a:prstGeom prst="ellipse">
+            <a:avLst/>
+          </a:prstGeom>
+          <a:solidFill>
+            <a:srgbClr val="FFFFFF"/>
+          </a:solidFill>
+          <a:ln w="12700">
+            <a:solidFill>
+              <a:srgbClr val="70AD47"/>
+            </a:solidFill>
+            <a:miter lim="800000"/>
+            <a:headEnd/>
+            <a:tailEnd/>
+          </a:ln>
+        </p:spPr>
+        <p:txBody>
+          <a:bodyPr vert="horz" wrap="square" lIns="91440" tIns="45720" rIns="91440" bIns="45720" numCol="1" anchor="ctr" anchorCtr="0" compatLnSpc="1">
+            <a:prstTxWarp prst="textNoShape">
+              <a:avLst/>
+            </a:prstTxWarp>
+          </a:bodyPr>
+          <a:lstStyle/>
+          <a:p>
+            <a:pPr marL="0" marR="0" lvl="0" indent="0" algn="ctr" defTabSz="914400" rtl="0" eaLnBrk="0" fontAlgn="base" latinLnBrk="0" hangingPunct="0">
+              <a:lnSpc>
+                <a:spcPct val="100000"/>
+              </a:lnSpc>
+              <a:spcBef>
+                <a:spcPct val="0"/>
+              </a:spcBef>
+              <a:spcAft>
+                <a:spcPct val="0"/>
+              </a:spcAft>
+              <a:buClrTx/>
+              <a:buSzTx/>
+              <a:buFontTx/>
+              <a:buNone/>
+              <a:tabLst/>
+            </a:pPr>
+            <a:r>
+              <a:rPr kumimoji="0" lang="fi-FI" altLang="fi-FI" sz="1100" b="0" i="0" u="none" strike="noStrike" cap="none" normalizeH="0" baseline="0" dirty="0">
+                <a:ln>
+                  <a:noFill/>
+                </a:ln>
+                <a:solidFill>
+                  <a:schemeClr val="tx1"/>
+                </a:solidFill>
+                <a:effectLst/>
+                <a:latin typeface="Calibri" panose="020F0502020204030204" pitchFamily="34" charset="0"/>
+                <a:ea typeface="Calibri" panose="020F0502020204030204" pitchFamily="34" charset="0"/>
+                <a:cs typeface="Times New Roman" panose="02020603050405020304" pitchFamily="18" charset="0"/>
+              </a:rPr>
+              <a:t>Näytä taulukot ja tarkastele omaa kulutusta</a:t>
+            </a:r>
+            <a:endParaRPr kumimoji="0" lang="fi-FI" altLang="fi-FI" sz="1800" b="0" i="0" u="none" strike="noStrike" cap="none" normalizeH="0" baseline="0" dirty="0">
+              <a:ln>
+                <a:noFill/>
+              </a:ln>
+              <a:solidFill>
+                <a:schemeClr val="tx1"/>
+              </a:solidFill>
+              <a:effectLst/>
+              <a:latin typeface="Arial" panose="020B0604020202020204" pitchFamily="34" charset="0"/>
+            </a:endParaRPr>
+          </a:p>
+        </p:txBody>
+      </p:sp>
+      <p:cxnSp>
+        <p:nvCxnSpPr>
+          <p:cNvPr id="6" name="Suora yhdysviiva 5">
+            <a:extLst>
+              <a:ext uri="{FF2B5EF4-FFF2-40B4-BE49-F238E27FC236}">
+                <a16:creationId xmlns:a16="http://schemas.microsoft.com/office/drawing/2014/main" id="{9D50AE1C-04F0-4D87-B8B2-29FBB50B0D48}"/>
+              </a:ext>
+            </a:extLst>
+          </p:cNvPr>
+          <p:cNvCxnSpPr/>
+          <p:nvPr/>
+        </p:nvCxnSpPr>
+        <p:spPr>
+          <a:xfrm flipH="1">
+            <a:off x="3200400" y="3490541"/>
+            <a:ext cx="285750" cy="257175"/>
+          </a:xfrm>
+          <a:prstGeom prst="line">
+            <a:avLst/>
+          </a:prstGeom>
+        </p:spPr>
+        <p:style>
+          <a:lnRef idx="1">
+            <a:schemeClr val="accent1"/>
+          </a:lnRef>
+          <a:fillRef idx="0">
+            <a:schemeClr val="accent1"/>
+          </a:fillRef>
+          <a:effectRef idx="0">
+            <a:schemeClr val="accent1"/>
+          </a:effectRef>
+          <a:fontRef idx="minor">
+            <a:schemeClr val="tx1"/>
+          </a:fontRef>
+        </p:style>
+      </p:cxnSp>
+      <p:cxnSp>
+        <p:nvCxnSpPr>
+          <p:cNvPr id="7" name="Suora yhdysviiva 6">
+            <a:extLst>
+              <a:ext uri="{FF2B5EF4-FFF2-40B4-BE49-F238E27FC236}">
+                <a16:creationId xmlns:a16="http://schemas.microsoft.com/office/drawing/2014/main" id="{CE67F0FF-13C6-422A-B4F2-C813E275DE94}"/>
+              </a:ext>
+            </a:extLst>
+          </p:cNvPr>
+          <p:cNvCxnSpPr/>
+          <p:nvPr/>
+        </p:nvCxnSpPr>
+        <p:spPr>
+          <a:xfrm>
+            <a:off x="3481387" y="3439433"/>
+            <a:ext cx="257175" cy="285750"/>
+          </a:xfrm>
+          <a:prstGeom prst="line">
+            <a:avLst/>
+          </a:prstGeom>
+        </p:spPr>
+        <p:style>
+          <a:lnRef idx="1">
+            <a:schemeClr val="accent1"/>
+          </a:lnRef>
+          <a:fillRef idx="0">
+            <a:schemeClr val="accent1"/>
+          </a:fillRef>
+          <a:effectRef idx="0">
+            <a:schemeClr val="accent1"/>
+          </a:effectRef>
+          <a:fontRef idx="minor">
+            <a:schemeClr val="tx1"/>
+          </a:fontRef>
+        </p:style>
+      </p:cxnSp>
+      <p:cxnSp>
+        <p:nvCxnSpPr>
+          <p:cNvPr id="8" name="Suora yhdysviiva 7">
+            <a:extLst>
+              <a:ext uri="{FF2B5EF4-FFF2-40B4-BE49-F238E27FC236}">
+                <a16:creationId xmlns:a16="http://schemas.microsoft.com/office/drawing/2014/main" id="{D4166753-8396-4B8B-BC3E-F06576C2365D}"/>
+              </a:ext>
+            </a:extLst>
+          </p:cNvPr>
+          <p:cNvCxnSpPr/>
+          <p:nvPr/>
+        </p:nvCxnSpPr>
+        <p:spPr>
+          <a:xfrm flipH="1">
+            <a:off x="3461971" y="3475159"/>
+            <a:ext cx="28575" cy="619125"/>
+          </a:xfrm>
+          <a:prstGeom prst="line">
+            <a:avLst/>
+          </a:prstGeom>
+        </p:spPr>
+        <p:style>
+          <a:lnRef idx="1">
+            <a:schemeClr val="accent1"/>
+          </a:lnRef>
+          <a:fillRef idx="0">
+            <a:schemeClr val="accent1"/>
+          </a:fillRef>
+          <a:effectRef idx="0">
+            <a:schemeClr val="accent1"/>
+          </a:effectRef>
+          <a:fontRef idx="minor">
+            <a:schemeClr val="tx1"/>
+          </a:fontRef>
+        </p:style>
+      </p:cxnSp>
+      <p:cxnSp>
+        <p:nvCxnSpPr>
+          <p:cNvPr id="9" name="Suora yhdysviiva 8">
+            <a:extLst>
+              <a:ext uri="{FF2B5EF4-FFF2-40B4-BE49-F238E27FC236}">
+                <a16:creationId xmlns:a16="http://schemas.microsoft.com/office/drawing/2014/main" id="{56254837-3605-42D1-A3FD-879730929047}"/>
+              </a:ext>
+            </a:extLst>
+          </p:cNvPr>
+          <p:cNvCxnSpPr/>
+          <p:nvPr/>
+        </p:nvCxnSpPr>
+        <p:spPr>
+          <a:xfrm>
+            <a:off x="3438525" y="4122120"/>
+            <a:ext cx="257175" cy="285750"/>
+          </a:xfrm>
+          <a:prstGeom prst="line">
+            <a:avLst/>
+          </a:prstGeom>
+        </p:spPr>
+        <p:style>
+          <a:lnRef idx="1">
+            <a:schemeClr val="accent1"/>
+          </a:lnRef>
+          <a:fillRef idx="0">
+            <a:schemeClr val="accent1"/>
+          </a:fillRef>
+          <a:effectRef idx="0">
+            <a:schemeClr val="accent1"/>
+          </a:effectRef>
+          <a:fontRef idx="minor">
+            <a:schemeClr val="tx1"/>
+          </a:fontRef>
+        </p:style>
+      </p:cxnSp>
+      <p:cxnSp>
+        <p:nvCxnSpPr>
+          <p:cNvPr id="10" name="Suora yhdysviiva 9">
+            <a:extLst>
+              <a:ext uri="{FF2B5EF4-FFF2-40B4-BE49-F238E27FC236}">
+                <a16:creationId xmlns:a16="http://schemas.microsoft.com/office/drawing/2014/main" id="{F13E4C2E-644D-47AF-BA7F-A712C55BA55B}"/>
+              </a:ext>
+            </a:extLst>
+          </p:cNvPr>
+          <p:cNvCxnSpPr/>
+          <p:nvPr/>
+        </p:nvCxnSpPr>
+        <p:spPr>
+          <a:xfrm flipH="1">
+            <a:off x="3200400" y="4094284"/>
+            <a:ext cx="285750" cy="257175"/>
+          </a:xfrm>
+          <a:prstGeom prst="line">
+            <a:avLst/>
+          </a:prstGeom>
+        </p:spPr>
+        <p:style>
+          <a:lnRef idx="1">
+            <a:schemeClr val="accent1"/>
+          </a:lnRef>
+          <a:fillRef idx="0">
+            <a:schemeClr val="accent1"/>
+          </a:fillRef>
+          <a:effectRef idx="0">
+            <a:schemeClr val="accent1"/>
+          </a:effectRef>
+          <a:fontRef idx="minor">
+            <a:schemeClr val="tx1"/>
+          </a:fontRef>
+        </p:style>
+      </p:cxnSp>
+      <p:sp>
+        <p:nvSpPr>
+          <p:cNvPr id="11" name="Ellipsi 10">
+            <a:extLst>
+              <a:ext uri="{FF2B5EF4-FFF2-40B4-BE49-F238E27FC236}">
+                <a16:creationId xmlns:a16="http://schemas.microsoft.com/office/drawing/2014/main" id="{E4159B52-89FE-44D7-9B16-850352403C93}"/>
+              </a:ext>
+            </a:extLst>
+          </p:cNvPr>
+          <p:cNvSpPr/>
+          <p:nvPr/>
+        </p:nvSpPr>
+        <p:spPr>
+          <a:xfrm>
+            <a:off x="3185746" y="2935347"/>
+            <a:ext cx="590550" cy="550065"/>
+          </a:xfrm>
+          <a:prstGeom prst="ellipse">
+            <a:avLst/>
+          </a:prstGeom>
+        </p:spPr>
+        <p:style>
+          <a:lnRef idx="2">
+            <a:schemeClr val="accent1">
+              <a:shade val="50000"/>
+            </a:schemeClr>
+          </a:lnRef>
+          <a:fillRef idx="1">
+            <a:schemeClr val="accent1"/>
+          </a:fillRef>
+          <a:effectRef idx="0">
+            <a:schemeClr val="accent1"/>
+          </a:effectRef>
+          <a:fontRef idx="minor">
+            <a:schemeClr val="lt1"/>
+          </a:fontRef>
+        </p:style>
+        <p:txBody>
+          <a:bodyPr rot="0" spcFirstLastPara="0" vert="horz" wrap="square" lIns="91440" tIns="45720" rIns="91440" bIns="45720" numCol="1" spcCol="0" rtlCol="0" fromWordArt="0" anchor="ctr" anchorCtr="0" forceAA="0" compatLnSpc="1">
+            <a:prstTxWarp prst="textNoShape">
+              <a:avLst/>
+            </a:prstTxWarp>
+            <a:noAutofit/>
+          </a:bodyPr>
+          <a:lstStyle/>
+          <a:p>
+            <a:endParaRPr lang="fi-FI"/>
+          </a:p>
+        </p:txBody>
+      </p:sp>
+      <p:cxnSp>
+        <p:nvCxnSpPr>
+          <p:cNvPr id="12" name="Suora yhdysviiva 11">
+            <a:extLst>
+              <a:ext uri="{FF2B5EF4-FFF2-40B4-BE49-F238E27FC236}">
+                <a16:creationId xmlns:a16="http://schemas.microsoft.com/office/drawing/2014/main" id="{DDBD40C1-F170-4A64-8259-1009A03D7DEF}"/>
+              </a:ext>
+            </a:extLst>
+          </p:cNvPr>
+          <p:cNvCxnSpPr>
+            <a:cxnSpLocks/>
+          </p:cNvCxnSpPr>
+          <p:nvPr/>
+        </p:nvCxnSpPr>
+        <p:spPr>
+          <a:xfrm flipV="1">
+            <a:off x="3877408" y="2875816"/>
+            <a:ext cx="1776046" cy="421164"/>
+          </a:xfrm>
+          <a:prstGeom prst="line">
+            <a:avLst/>
+          </a:prstGeom>
+        </p:spPr>
+        <p:style>
+          <a:lnRef idx="1">
+            <a:schemeClr val="accent1"/>
+          </a:lnRef>
+          <a:fillRef idx="0">
+            <a:schemeClr val="accent1"/>
+          </a:fillRef>
+          <a:effectRef idx="0">
+            <a:schemeClr val="accent1"/>
+          </a:effectRef>
+          <a:fontRef idx="minor">
+            <a:schemeClr val="tx1"/>
+          </a:fontRef>
+        </p:style>
+      </p:cxnSp>
+      <p:cxnSp>
+        <p:nvCxnSpPr>
+          <p:cNvPr id="13" name="Suora yhdysviiva 12">
+            <a:extLst>
+              <a:ext uri="{FF2B5EF4-FFF2-40B4-BE49-F238E27FC236}">
+                <a16:creationId xmlns:a16="http://schemas.microsoft.com/office/drawing/2014/main" id="{6B65BA11-C4CC-47B5-B30C-DCD46803F27A}"/>
+              </a:ext>
+            </a:extLst>
+          </p:cNvPr>
+          <p:cNvCxnSpPr>
+            <a:cxnSpLocks/>
+          </p:cNvCxnSpPr>
+          <p:nvPr/>
+        </p:nvCxnSpPr>
+        <p:spPr>
+          <a:xfrm>
+            <a:off x="3877408" y="3485412"/>
+            <a:ext cx="2084143" cy="1323980"/>
+          </a:xfrm>
+          <a:prstGeom prst="line">
+            <a:avLst/>
+          </a:prstGeom>
+        </p:spPr>
+        <p:style>
+          <a:lnRef idx="1">
+            <a:schemeClr val="accent1"/>
+          </a:lnRef>
+          <a:fillRef idx="0">
+            <a:schemeClr val="accent1"/>
+          </a:fillRef>
+          <a:effectRef idx="0">
+            <a:schemeClr val="accent1"/>
+          </a:effectRef>
+          <a:fontRef idx="minor">
+            <a:schemeClr val="tx1"/>
+          </a:fontRef>
+        </p:style>
+      </p:cxnSp>
+      <p:sp>
+        <p:nvSpPr>
+          <p:cNvPr id="14" name="Rectangle 11">
+            <a:extLst>
+              <a:ext uri="{FF2B5EF4-FFF2-40B4-BE49-F238E27FC236}">
+                <a16:creationId xmlns:a16="http://schemas.microsoft.com/office/drawing/2014/main" id="{83FDAD4F-7271-4F87-95CC-B74DF13E7DA9}"/>
+              </a:ext>
+            </a:extLst>
+          </p:cNvPr>
+          <p:cNvSpPr>
+            <a:spLocks noChangeArrowheads="1"/>
+          </p:cNvSpPr>
+          <p:nvPr/>
+        </p:nvSpPr>
+        <p:spPr bwMode="auto">
+          <a:xfrm>
+            <a:off x="3033346" y="1951892"/>
+            <a:ext cx="12192000" cy="457200"/>
+          </a:xfrm>
+          <a:prstGeom prst="rect">
+            <a:avLst/>
+          </a:prstGeom>
+          <a:noFill/>
+          <a:ln>
+            <a:noFill/>
+          </a:ln>
+          <a:effectLst/>
+          <a:extLst>
+            <a:ext uri="{909E8E84-426E-40DD-AFC4-6F175D3DCCD1}">
+              <a14:hiddenFill xmlns:a14="http://schemas.microsoft.com/office/drawing/2010/main">
+                <a:solidFill>
+                  <a:schemeClr val="accent1"/>
+                </a:solidFill>
+              </a14:hiddenFill>
+            </a:ext>
+            <a:ext uri="{91240B29-F687-4F45-9708-019B960494DF}">
+              <a14:hiddenLine xmlns:a14="http://schemas.microsoft.com/office/drawing/2010/main" w="9525">
+                <a:solidFill>
+                  <a:schemeClr val="tx1"/>
+                </a:solidFill>
+                <a:miter lim="800000"/>
+                <a:headEnd/>
+                <a:tailEnd/>
+              </a14:hiddenLine>
+            </a:ext>
+            <a:ext uri="{AF507438-7753-43E0-B8FC-AC1667EBCBE1}">
+              <a14:hiddenEffects xmlns:a14="http://schemas.microsoft.com/office/drawing/2010/main">
+                <a:effectLst>
+                  <a:outerShdw dist="35921" dir="2700000" algn="ctr" rotWithShape="0">
+                    <a:schemeClr val="bg2"/>
+                  </a:outerShdw>
+                </a:effectLst>
+              </a14:hiddenEffects>
+            </a:ext>
+          </a:extLst>
+        </p:spPr>
+        <p:txBody>
+          <a:bodyPr vert="horz" wrap="none" lIns="91440" tIns="45720" rIns="91440" bIns="45720" numCol="1" anchor="ctr" anchorCtr="0" compatLnSpc="1">
+            <a:prstTxWarp prst="textNoShape">
+              <a:avLst/>
+            </a:prstTxWarp>
+            <a:spAutoFit/>
+          </a:bodyPr>
+          <a:lstStyle/>
+          <a:p>
+            <a:endParaRPr lang="fi-FI"/>
+          </a:p>
+        </p:txBody>
+      </p:sp>
+      <p:sp>
+        <p:nvSpPr>
+          <p:cNvPr id="15" name="Rectangle 14">
+            <a:extLst>
+              <a:ext uri="{FF2B5EF4-FFF2-40B4-BE49-F238E27FC236}">
+                <a16:creationId xmlns:a16="http://schemas.microsoft.com/office/drawing/2014/main" id="{5B615C43-0BA7-4301-BCF7-48769C1F7AF2}"/>
+              </a:ext>
+            </a:extLst>
+          </p:cNvPr>
+          <p:cNvSpPr>
+            <a:spLocks noChangeArrowheads="1"/>
+          </p:cNvSpPr>
+          <p:nvPr/>
+        </p:nvSpPr>
+        <p:spPr bwMode="auto">
+          <a:xfrm>
+            <a:off x="3033346" y="2062844"/>
+            <a:ext cx="1257332" cy="692497"/>
+          </a:xfrm>
+          <a:prstGeom prst="rect">
+            <a:avLst/>
+          </a:prstGeom>
+          <a:noFill/>
+          <a:ln>
+            <a:noFill/>
+          </a:ln>
+          <a:effectLst/>
+          <a:extLst>
+            <a:ext uri="{909E8E84-426E-40DD-AFC4-6F175D3DCCD1}">
+              <a14:hiddenFill xmlns:a14="http://schemas.microsoft.com/office/drawing/2010/main">
+                <a:solidFill>
+                  <a:schemeClr val="accent1"/>
+                </a:solidFill>
+              </a14:hiddenFill>
+            </a:ext>
+            <a:ext uri="{91240B29-F687-4F45-9708-019B960494DF}">
+              <a14:hiddenLine xmlns:a14="http://schemas.microsoft.com/office/drawing/2010/main" w="9525">
+                <a:solidFill>
+                  <a:schemeClr val="tx1"/>
+                </a:solidFill>
+                <a:miter lim="800000"/>
+                <a:headEnd/>
+                <a:tailEnd/>
+              </a14:hiddenLine>
+            </a:ext>
+            <a:ext uri="{AF507438-7753-43E0-B8FC-AC1667EBCBE1}">
+              <a14:hiddenEffects xmlns:a14="http://schemas.microsoft.com/office/drawing/2010/main">
+                <a:effectLst>
+                  <a:outerShdw dist="35921" dir="2700000" algn="ctr" rotWithShape="0">
+                    <a:schemeClr val="bg2"/>
+                  </a:outerShdw>
+                </a:effectLst>
+              </a14:hiddenEffects>
+            </a:ext>
+          </a:extLst>
+        </p:spPr>
+        <p:txBody>
+          <a:bodyPr vert="horz" wrap="none" lIns="91440" tIns="45720" rIns="91440" bIns="45720" numCol="1" anchor="ctr" anchorCtr="0" compatLnSpc="1">
+            <a:prstTxWarp prst="textNoShape">
+              <a:avLst/>
+            </a:prstTxWarp>
+            <a:spAutoFit/>
+          </a:bodyPr>
+          <a:lstStyle/>
+          <a:p>
+            <a:pPr marL="0" marR="0" lvl="0" indent="0" algn="l" defTabSz="914400" rtl="0" eaLnBrk="0" fontAlgn="base" latinLnBrk="0" hangingPunct="0">
+              <a:lnSpc>
+                <a:spcPct val="100000"/>
+              </a:lnSpc>
+              <a:spcBef>
+                <a:spcPct val="0"/>
+              </a:spcBef>
+              <a:spcAft>
+                <a:spcPct val="0"/>
+              </a:spcAft>
+              <a:buClrTx/>
+              <a:buSzTx/>
+              <a:buFontTx/>
+              <a:buNone/>
+              <a:tabLst/>
+            </a:pPr>
+            <a:endParaRPr kumimoji="0" lang="fi-FI" altLang="fi-FI" sz="1100" b="0" i="0" u="none" strike="noStrike" cap="none" normalizeH="0" baseline="0" dirty="0">
+              <a:ln>
+                <a:noFill/>
+              </a:ln>
+              <a:solidFill>
+                <a:schemeClr val="tx1"/>
+              </a:solidFill>
+              <a:effectLst/>
+              <a:latin typeface="Calibri" panose="020F0502020204030204" pitchFamily="34" charset="0"/>
+              <a:ea typeface="Calibri" panose="020F0502020204030204" pitchFamily="34" charset="0"/>
+              <a:cs typeface="Times New Roman" panose="02020603050405020304" pitchFamily="18" charset="0"/>
+            </a:endParaRPr>
+          </a:p>
+          <a:p>
+            <a:pPr marL="0" marR="0" lvl="0" indent="0" algn="l" defTabSz="914400" rtl="0" eaLnBrk="0" fontAlgn="base" latinLnBrk="0" hangingPunct="0">
+              <a:lnSpc>
+                <a:spcPct val="100000"/>
+              </a:lnSpc>
+              <a:spcBef>
+                <a:spcPct val="0"/>
+              </a:spcBef>
+              <a:spcAft>
+                <a:spcPct val="0"/>
+              </a:spcAft>
+              <a:buClrTx/>
+              <a:buSzTx/>
+              <a:buFontTx/>
+              <a:buNone/>
+              <a:tabLst/>
+            </a:pPr>
+            <a:r>
+              <a:rPr kumimoji="0" lang="fi-FI" altLang="fi-FI" sz="2800" b="0" i="0" u="none" strike="noStrike" cap="none" normalizeH="0" baseline="0" dirty="0">
+                <a:ln>
+                  <a:noFill/>
+                </a:ln>
+                <a:solidFill>
+                  <a:schemeClr val="tx1"/>
+                </a:solidFill>
+                <a:effectLst/>
+                <a:latin typeface="Calibri" panose="020F0502020204030204" pitchFamily="34" charset="0"/>
+                <a:ea typeface="Calibri" panose="020F0502020204030204" pitchFamily="34" charset="0"/>
+                <a:cs typeface="Times New Roman" panose="02020603050405020304" pitchFamily="18" charset="0"/>
+              </a:rPr>
+              <a:t>Asiakas</a:t>
+            </a:r>
+            <a:endParaRPr kumimoji="0" lang="fi-FI" altLang="fi-FI" sz="2800" b="0" i="0" u="none" strike="noStrike" cap="none" normalizeH="0" baseline="0" dirty="0">
+              <a:ln>
+                <a:noFill/>
+              </a:ln>
+              <a:solidFill>
+                <a:schemeClr val="tx1"/>
+              </a:solidFill>
+              <a:effectLst/>
+              <a:latin typeface="Arial" panose="020B0604020202020204" pitchFamily="34" charset="0"/>
+            </a:endParaRPr>
+          </a:p>
+        </p:txBody>
+      </p:sp>
+    </p:spTree>
+    <p:extLst>
+      <p:ext uri="{BB962C8B-B14F-4D97-AF65-F5344CB8AC3E}">
+        <p14:creationId xmlns:p14="http://schemas.microsoft.com/office/powerpoint/2010/main" val="3383742535"/>
+      </p:ext>
+    </p:extLst>
+  </p:cSld>
+  <p:clrMapOvr>
+    <a:masterClrMapping/>
+  </p:clrMapOvr>
+</p:sld>
+</file>
+
+<file path=ppt/slides/slide5.xml><?xml version="1.0" encoding="utf-8"?>
 <p:sld xmlns:a="http://schemas.openxmlformats.org/drawingml/2006/main" xmlns:r="http://schemas.openxmlformats.org/officeDocument/2006/relationships" xmlns:p="http://schemas.openxmlformats.org/presentationml/2006/main">
   <p:cSld>
     <p:bg>
@@ -20405,7 +21358,7 @@
 </p:sld>
 </file>
 
-<file path=ppt/slides/slide5.xml><?xml version="1.0" encoding="utf-8"?>
+<file path=ppt/slides/slide6.xml><?xml version="1.0" encoding="utf-8"?>
 <p:sld xmlns:a="http://schemas.openxmlformats.org/drawingml/2006/main" xmlns:r="http://schemas.openxmlformats.org/officeDocument/2006/relationships" xmlns:p="http://schemas.openxmlformats.org/presentationml/2006/main">
   <p:cSld>
     <p:bg>
@@ -20614,7 +21567,7 @@
 </p:sld>
 </file>
 
-<file path=ppt/slides/slide6.xml><?xml version="1.0" encoding="utf-8"?>
+<file path=ppt/slides/slide7.xml><?xml version="1.0" encoding="utf-8"?>
 <p:sld xmlns:a="http://schemas.openxmlformats.org/drawingml/2006/main" xmlns:r="http://schemas.openxmlformats.org/officeDocument/2006/relationships" xmlns:p="http://schemas.openxmlformats.org/presentationml/2006/main">
   <p:cSld>
     <p:bg>
@@ -20888,7 +21841,7 @@
 </p:sld>
 </file>
 
-<file path=ppt/slides/slide7.xml><?xml version="1.0" encoding="utf-8"?>
+<file path=ppt/slides/slide8.xml><?xml version="1.0" encoding="utf-8"?>
 <p:sld xmlns:a="http://schemas.openxmlformats.org/drawingml/2006/main" xmlns:r="http://schemas.openxmlformats.org/officeDocument/2006/relationships" xmlns:p="http://schemas.openxmlformats.org/presentationml/2006/main">
   <p:cSld>
     <p:bg>
@@ -21404,7 +22357,7 @@
           <p:nvPr/>
         </p:nvPicPr>
         <p:blipFill>
-          <a:blip r:embed="rId2">
+          <a:blip r:embed="rId2" cstate="print">
             <a:extLst>
               <a:ext uri="{28A0092B-C50C-407E-A947-70E740481C1C}">
                 <a14:useLocalDpi xmlns:a14="http://schemas.microsoft.com/office/drawing/2010/main" val="0"/>
@@ -21475,7 +22428,7 @@
 </p:sld>
 </file>
 
-<file path=ppt/slides/slide8.xml><?xml version="1.0" encoding="utf-8"?>
+<file path=ppt/slides/slide9.xml><?xml version="1.0" encoding="utf-8"?>
 <p:sld xmlns:a="http://schemas.openxmlformats.org/drawingml/2006/main" xmlns:r="http://schemas.openxmlformats.org/officeDocument/2006/relationships" xmlns:p="http://schemas.openxmlformats.org/presentationml/2006/main">
   <p:cSld>
     <p:bg>
@@ -21579,214 +22532,6 @@
   </p:cSld>
   <p:clrMapOvr>
     <a:masterClrMapping/>
-  </p:clrMapOvr>
-</p:sld>
-</file>
-
-<file path=ppt/slides/slide9.xml><?xml version="1.0" encoding="utf-8"?>
-<p:sld xmlns:a="http://schemas.openxmlformats.org/drawingml/2006/main" xmlns:r="http://schemas.openxmlformats.org/officeDocument/2006/relationships" xmlns:p="http://schemas.openxmlformats.org/presentationml/2006/main">
-  <p:cSld>
-    <p:bg>
-      <p:bgPr>
-        <a:solidFill>
-          <a:schemeClr val="bg1"/>
-        </a:solidFill>
-        <a:effectLst/>
-      </p:bgPr>
-    </p:bg>
-    <p:spTree>
-      <p:nvGrpSpPr>
-        <p:cNvPr id="1" name=""/>
-        <p:cNvGrpSpPr/>
-        <p:nvPr/>
-      </p:nvGrpSpPr>
-      <p:grpSpPr>
-        <a:xfrm>
-          <a:off x="0" y="0"/>
-          <a:ext cx="0" cy="0"/>
-          <a:chOff x="0" y="0"/>
-          <a:chExt cx="0" cy="0"/>
-        </a:xfrm>
-      </p:grpSpPr>
-      <p:sp>
-        <p:nvSpPr>
-          <p:cNvPr id="16" name="Rectangle 15">
-            <a:extLst>
-              <a:ext uri="{FF2B5EF4-FFF2-40B4-BE49-F238E27FC236}">
-                <a16:creationId xmlns:a16="http://schemas.microsoft.com/office/drawing/2014/main" id="{9228552E-C8B1-4A80-8448-0787CE0FC704}"/>
-              </a:ext>
-              <a:ext uri="{C183D7F6-B498-43B3-948B-1728B52AA6E4}">
-                <adec:decorative xmlns:adec="http://schemas.microsoft.com/office/drawing/2017/decorative" val="1"/>
-              </a:ext>
-            </a:extLst>
-          </p:cNvPr>
-          <p:cNvSpPr>
-            <a:spLocks noGrp="1" noRot="1" noChangeAspect="1" noMove="1" noResize="1" noEditPoints="1" noAdjustHandles="1" noChangeArrowheads="1" noChangeShapeType="1" noTextEdit="1"/>
-          </p:cNvSpPr>
-          <p:nvPr>
-            <p:extLst>
-              <p:ext uri="{386F3935-93C4-4BCD-93E2-E3B085C9AB24}">
-                <p16:designElem xmlns:p16="http://schemas.microsoft.com/office/powerpoint/2015/main" val="1"/>
-              </p:ext>
-            </p:extLst>
-          </p:nvPr>
-        </p:nvSpPr>
-        <p:spPr>
-          <a:xfrm>
-            <a:off x="0" y="0"/>
-            <a:ext cx="12192000" cy="6858000"/>
-          </a:xfrm>
-          <a:prstGeom prst="rect">
-            <a:avLst/>
-          </a:prstGeom>
-          <a:solidFill>
-            <a:srgbClr val="000000"/>
-          </a:solidFill>
-          <a:ln>
-            <a:noFill/>
-          </a:ln>
-        </p:spPr>
-        <p:style>
-          <a:lnRef idx="2">
-            <a:schemeClr val="accent1">
-              <a:shade val="50000"/>
-            </a:schemeClr>
-          </a:lnRef>
-          <a:fillRef idx="1">
-            <a:schemeClr val="accent1"/>
-          </a:fillRef>
-          <a:effectRef idx="0">
-            <a:schemeClr val="accent1"/>
-          </a:effectRef>
-          <a:fontRef idx="minor">
-            <a:schemeClr val="lt1"/>
-          </a:fontRef>
-        </p:style>
-        <p:txBody>
-          <a:bodyPr rtlCol="0" anchor="ctr"/>
-          <a:lstStyle/>
-          <a:p>
-            <a:pPr algn="ctr"/>
-            <a:endParaRPr lang="en-US"/>
-          </a:p>
-        </p:txBody>
-      </p:sp>
-      <p:pic>
-        <p:nvPicPr>
-          <p:cNvPr id="7" name="Picture 6" descr="Close-up of a blue surface&#10;&#10;Description automatically generated">
-            <a:extLst>
-              <a:ext uri="{FF2B5EF4-FFF2-40B4-BE49-F238E27FC236}">
-                <a16:creationId xmlns:a16="http://schemas.microsoft.com/office/drawing/2014/main" id="{C1A8DC81-C99E-7F97-568E-8CC548CFFB91}"/>
-              </a:ext>
-            </a:extLst>
-          </p:cNvPr>
-          <p:cNvPicPr>
-            <a:picLocks noChangeAspect="1"/>
-          </p:cNvPicPr>
-          <p:nvPr/>
-        </p:nvPicPr>
-        <p:blipFill rotWithShape="1">
-          <a:blip r:embed="rId2">
-            <a:alphaModFix amt="35000"/>
-          </a:blip>
-          <a:srcRect t="25000"/>
-          <a:stretch/>
-        </p:blipFill>
-        <p:spPr>
-          <a:xfrm>
-            <a:off x="20" y="10"/>
-            <a:ext cx="12191980" cy="6857990"/>
-          </a:xfrm>
-          <a:prstGeom prst="rect">
-            <a:avLst/>
-          </a:prstGeom>
-        </p:spPr>
-      </p:pic>
-      <p:sp>
-        <p:nvSpPr>
-          <p:cNvPr id="2" name="Title 1">
-            <a:extLst>
-              <a:ext uri="{FF2B5EF4-FFF2-40B4-BE49-F238E27FC236}">
-                <a16:creationId xmlns:a16="http://schemas.microsoft.com/office/drawing/2014/main" id="{2661506A-DF5A-1AE3-2CC3-BFB2A6F28192}"/>
-              </a:ext>
-            </a:extLst>
-          </p:cNvPr>
-          <p:cNvSpPr>
-            <a:spLocks noGrp="1"/>
-          </p:cNvSpPr>
-          <p:nvPr>
-            <p:ph type="title"/>
-          </p:nvPr>
-        </p:nvSpPr>
-        <p:spPr>
-          <a:xfrm>
-            <a:off x="838200" y="365125"/>
-            <a:ext cx="10515600" cy="1325563"/>
-          </a:xfrm>
-        </p:spPr>
-        <p:txBody>
-          <a:bodyPr>
-            <a:normAutofit/>
-          </a:bodyPr>
-          <a:lstStyle/>
-          <a:p>
-            <a:r>
-              <a:rPr lang="en-US">
-                <a:solidFill>
-                  <a:srgbClr val="FFFFFF"/>
-                </a:solidFill>
-                <a:cs typeface="Calibri Light"/>
-              </a:rPr>
-              <a:t>Tietoturva</a:t>
-            </a:r>
-            <a:endParaRPr lang="en-US">
-              <a:solidFill>
-                <a:srgbClr val="FFFFFF"/>
-              </a:solidFill>
-            </a:endParaRPr>
-          </a:p>
-        </p:txBody>
-      </p:sp>
-      <p:graphicFrame>
-        <p:nvGraphicFramePr>
-          <p:cNvPr id="5" name="Content Placeholder 2">
-            <a:extLst>
-              <a:ext uri="{FF2B5EF4-FFF2-40B4-BE49-F238E27FC236}">
-                <a16:creationId xmlns:a16="http://schemas.microsoft.com/office/drawing/2014/main" id="{7491AB46-88EC-F32C-A152-4578136AC1C7}"/>
-              </a:ext>
-            </a:extLst>
-          </p:cNvPr>
-          <p:cNvGraphicFramePr>
-            <a:graphicFrameLocks noGrp="1"/>
-          </p:cNvGraphicFramePr>
-          <p:nvPr>
-            <p:ph idx="1"/>
-            <p:extLst>
-              <p:ext uri="{D42A27DB-BD31-4B8C-83A1-F6EECF244321}">
-                <p14:modId xmlns:p14="http://schemas.microsoft.com/office/powerpoint/2010/main" val="3419514887"/>
-              </p:ext>
-            </p:extLst>
-          </p:nvPr>
-        </p:nvGraphicFramePr>
-        <p:xfrm>
-          <a:off x="838200" y="1825625"/>
-          <a:ext cx="10515600" cy="4351338"/>
-        </p:xfrm>
-        <a:graphic>
-          <a:graphicData uri="http://schemas.openxmlformats.org/drawingml/2006/diagram">
-            <dgm:relIds xmlns:dgm="http://schemas.openxmlformats.org/drawingml/2006/diagram" xmlns:r="http://schemas.openxmlformats.org/officeDocument/2006/relationships" r:dm="rId3" r:lo="rId4" r:qs="rId5" r:cs="rId6"/>
-          </a:graphicData>
-        </a:graphic>
-      </p:graphicFrame>
-    </p:spTree>
-    <p:extLst>
-      <p:ext uri="{BB962C8B-B14F-4D97-AF65-F5344CB8AC3E}">
-        <p14:creationId xmlns:p14="http://schemas.microsoft.com/office/powerpoint/2010/main" val="903075772"/>
-      </p:ext>
-    </p:extLst>
-  </p:cSld>
-  <p:clrMapOvr>
-    <a:overrideClrMapping bg1="dk1" tx1="lt1" bg2="dk2" tx2="lt2" accent1="accent1" accent2="accent2" accent3="accent3" accent4="accent4" accent5="accent5" accent6="accent6" hlink="hlink" folHlink="folHlink"/>
   </p:clrMapOvr>
 </p:sld>
 </file>
